--- a/lesson-01-spa/SinglePageApplications.pptx
+++ b/lesson-01-spa/SinglePageApplications.pptx
@@ -5,20 +5,22 @@
     <p:sldMasterId id="2147483648" r:id="rId1"/>
   </p:sldMasterIdLst>
   <p:notesMasterIdLst>
-    <p:notesMasterId r:id="rId10"/>
+    <p:notesMasterId r:id="rId12"/>
   </p:notesMasterIdLst>
   <p:handoutMasterIdLst>
-    <p:handoutMasterId r:id="rId11"/>
+    <p:handoutMasterId r:id="rId13"/>
   </p:handoutMasterIdLst>
   <p:sldIdLst>
     <p:sldId id="256" r:id="rId2"/>
     <p:sldId id="257" r:id="rId3"/>
     <p:sldId id="273" r:id="rId4"/>
     <p:sldId id="274" r:id="rId5"/>
-    <p:sldId id="265" r:id="rId6"/>
-    <p:sldId id="278" r:id="rId7"/>
-    <p:sldId id="276" r:id="rId8"/>
-    <p:sldId id="277" r:id="rId9"/>
+    <p:sldId id="279" r:id="rId6"/>
+    <p:sldId id="265" r:id="rId7"/>
+    <p:sldId id="278" r:id="rId8"/>
+    <p:sldId id="276" r:id="rId9"/>
+    <p:sldId id="277" r:id="rId10"/>
+    <p:sldId id="280" r:id="rId11"/>
   </p:sldIdLst>
   <p:sldSz cx="9144000" cy="5143500" type="screen16x9"/>
   <p:notesSz cx="6858000" cy="9144000"/>
@@ -119,7 +121,7 @@
   </p:defaultTextStyle>
   <p:extLst>
     <p:ext uri="{EFAFB233-063F-42B5-8137-9DF3F51BA10A}">
-      <p15:sldGuideLst xmlns="" xmlns:p15="http://schemas.microsoft.com/office/powerpoint/2012/main">
+      <p15:sldGuideLst xmlns:p15="http://schemas.microsoft.com/office/powerpoint/2012/main" xmlns="">
         <p15:guide id="1" orient="horz" pos="138">
           <p15:clr>
             <a:srgbClr val="A4A3A4"/>
@@ -168,7 +170,7 @@
       </p15:sldGuideLst>
     </p:ext>
     <p:ext uri="{2D200454-40CA-4A62-9FC3-DE9A4176ACB9}">
-      <p15:notesGuideLst xmlns="" xmlns:p15="http://schemas.microsoft.com/office/powerpoint/2012/main">
+      <p15:notesGuideLst xmlns:p15="http://schemas.microsoft.com/office/powerpoint/2012/main" xmlns="">
         <p15:guide id="1" orient="horz" pos="2880">
           <p15:clr>
             <a:srgbClr val="A4A3A4"/>
@@ -267,7 +269,7 @@
           <a:p>
             <a:fld id="{11A960B2-A5C1-43A5-97FF-B6E8302B8F3F}" type="datetimeFigureOut">
               <a:rPr lang="de-DE" smtClean="0"/>
-              <a:t>10.01.2018</a:t>
+              <a:t>12.01.2018</a:t>
             </a:fld>
             <a:endParaRPr lang="de-DE"/>
           </a:p>
@@ -432,7 +434,7 @@
           <a:p>
             <a:fld id="{4E0710C9-FE5E-4BBD-997C-1850EB479084}" type="datetimeFigureOut">
               <a:rPr lang="de-DE" smtClean="0"/>
-              <a:t>10.01.2018</a:t>
+              <a:t>12.01.2018</a:t>
             </a:fld>
             <a:endParaRPr lang="de-DE"/>
           </a:p>
@@ -797,13 +799,8 @@
           <a:p>
             <a:r>
               <a:rPr lang="de-DE" baseline="0" dirty="0" smtClean="0"/>
-              <a:t>Aurelia, Cycle, </a:t>
-            </a:r>
-            <a:r>
-              <a:rPr lang="de-DE" baseline="0" dirty="0" smtClean="0"/>
-              <a:t>Polymer</a:t>
-            </a:r>
-            <a:endParaRPr lang="de-DE" baseline="0" dirty="0" smtClean="0"/>
+              <a:t>Aurelia, Cycle, Polymer</a:t>
+            </a:r>
           </a:p>
           <a:p>
             <a:endParaRPr lang="de-DE" dirty="0" smtClean="0"/>
@@ -946,69 +943,115 @@
           <a:p>
             <a:r>
               <a:rPr lang="de-DE" dirty="0" smtClean="0"/>
-              <a:t>JSX:</a:t>
-            </a:r>
-          </a:p>
-          <a:p>
-            <a:pPr marL="285750" indent="-285750">
-              <a:buClr>
-                <a:schemeClr val="accent3"/>
-              </a:buClr>
-              <a:buFont typeface="Arial" panose="020B0604020202020204" pitchFamily="34" charset="0"/>
-              <a:buChar char="●"/>
-            </a:pPr>
+              <a:t>Viele Anbieter:</a:t>
+            </a:r>
+          </a:p>
+          <a:p>
             <a:r>
               <a:rPr lang="de-DE" dirty="0" smtClean="0"/>
-              <a:t>UI Elemente werden zu Objekten</a:t>
-            </a:r>
-          </a:p>
-          <a:p>
-            <a:pPr marL="285750" indent="-285750">
-              <a:buClr>
-                <a:schemeClr val="accent3"/>
-              </a:buClr>
-              <a:buFont typeface="Arial" panose="020B0604020202020204" pitchFamily="34" charset="0"/>
-              <a:buChar char="●"/>
-            </a:pPr>
+              <a:t>Angular, </a:t>
+            </a:r>
+            <a:r>
+              <a:rPr lang="de-DE" dirty="0" err="1" smtClean="0"/>
+              <a:t>ReactJS</a:t>
+            </a:r>
             <a:r>
               <a:rPr lang="de-DE" dirty="0" smtClean="0"/>
-              <a:t>Fast JavaScript Syntax</a:t>
-            </a:r>
-          </a:p>
-          <a:p>
-            <a:pPr marL="285750" indent="-285750">
-              <a:buClr>
-                <a:schemeClr val="accent3"/>
-              </a:buClr>
-              <a:buFont typeface="Arial" panose="020B0604020202020204" pitchFamily="34" charset="0"/>
-              <a:buChar char="●"/>
-            </a:pPr>
+              <a:t>, </a:t>
+            </a:r>
+            <a:r>
+              <a:rPr lang="de-DE" dirty="0" err="1" smtClean="0"/>
+              <a:t>VueJS</a:t>
+            </a:r>
+            <a:endParaRPr lang="de-DE" dirty="0" smtClean="0"/>
+          </a:p>
+          <a:p>
             <a:r>
               <a:rPr lang="de-DE" dirty="0" smtClean="0"/>
-              <a:t>Es gibt auch TSX (Siehe Codebeispiele)</a:t>
-            </a:r>
-          </a:p>
-          <a:p>
-            <a:pPr marL="285750" indent="-285750">
-              <a:buClr>
-                <a:schemeClr val="accent3"/>
-              </a:buClr>
-              <a:buFont typeface="Arial" panose="020B0604020202020204" pitchFamily="34" charset="0"/>
-              <a:buChar char="●"/>
-            </a:pPr>
+              <a:t>Oder</a:t>
+            </a:r>
+            <a:r>
+              <a:rPr lang="de-DE" baseline="0" dirty="0" smtClean="0"/>
+              <a:t> auch kleinere Anbieter:</a:t>
+            </a:r>
+          </a:p>
+          <a:p>
+            <a:r>
+              <a:rPr lang="de-DE" baseline="0" dirty="0" err="1" smtClean="0"/>
+              <a:t>Ember</a:t>
+            </a:r>
+            <a:r>
+              <a:rPr lang="de-DE" baseline="0" dirty="0" smtClean="0"/>
+              <a:t>, Backbone, Meteor</a:t>
+            </a:r>
+          </a:p>
+          <a:p>
+            <a:r>
+              <a:rPr lang="de-DE" baseline="0" dirty="0" smtClean="0"/>
+              <a:t>Nicht genannt, aber gezeigt: </a:t>
+            </a:r>
+          </a:p>
+          <a:p>
+            <a:r>
+              <a:rPr lang="de-DE" baseline="0" dirty="0" smtClean="0"/>
+              <a:t>Aurelia, Cycle, Polymer</a:t>
+            </a:r>
+          </a:p>
+          <a:p>
+            <a:endParaRPr lang="de-DE" dirty="0" smtClean="0"/>
+          </a:p>
+          <a:p>
             <a:r>
               <a:rPr lang="de-DE" dirty="0" smtClean="0"/>
-              <a:t>Performant (29% auf Android)</a:t>
-            </a:r>
-          </a:p>
-          <a:p>
+              <a:t>- Wir betrachten heute</a:t>
+            </a:r>
+            <a:r>
+              <a:rPr lang="de-DE" baseline="0" dirty="0" smtClean="0"/>
+              <a:t> </a:t>
+            </a:r>
+            <a:r>
+              <a:rPr lang="de-DE" baseline="0" dirty="0" err="1" smtClean="0"/>
+              <a:t>React</a:t>
+            </a:r>
             <a:endParaRPr lang="de-DE" dirty="0" smtClean="0"/>
           </a:p>
           <a:p>
             <a:r>
               <a:rPr lang="de-DE" dirty="0" smtClean="0"/>
-              <a:t>Komponentenbasiert: </a:t>
-            </a:r>
+              <a:t>Was ist </a:t>
+            </a:r>
+            <a:r>
+              <a:rPr lang="de-DE" dirty="0" err="1" smtClean="0"/>
+              <a:t>ReactJS</a:t>
+            </a:r>
+            <a:r>
+              <a:rPr lang="de-DE" dirty="0" smtClean="0"/>
+              <a:t>?</a:t>
+            </a:r>
+          </a:p>
+          <a:p>
+            <a:r>
+              <a:rPr lang="de-DE" dirty="0" smtClean="0"/>
+              <a:t>„</a:t>
+            </a:r>
+            <a:r>
+              <a:rPr lang="en-US" sz="1200" b="0" i="0" kern="1200" dirty="0" smtClean="0">
+                <a:solidFill>
+                  <a:schemeClr val="tx1"/>
+                </a:solidFill>
+                <a:effectLst/>
+                <a:latin typeface="+mn-lt"/>
+                <a:ea typeface="+mn-ea"/>
+                <a:cs typeface="+mn-cs"/>
+              </a:rPr>
+              <a:t>A JavaScript library for building user interfaces </a:t>
+            </a:r>
+            <a:r>
+              <a:rPr lang="de-DE" dirty="0" smtClean="0"/>
+              <a:t>“</a:t>
+            </a:r>
+          </a:p>
+          <a:p>
             <a:endParaRPr lang="de-DE" dirty="0"/>
           </a:p>
         </p:txBody>
@@ -1039,7 +1082,7 @@
     </p:spTree>
     <p:extLst>
       <p:ext uri="{BB962C8B-B14F-4D97-AF65-F5344CB8AC3E}">
-        <p14:creationId xmlns:p14="http://schemas.microsoft.com/office/powerpoint/2010/main" val="1708810980"/>
+        <p14:creationId xmlns:p14="http://schemas.microsoft.com/office/powerpoint/2010/main" val="354815062"/>
       </p:ext>
     </p:extLst>
   </p:cSld>
@@ -1093,6 +1136,96 @@
           <a:bodyPr/>
           <a:lstStyle/>
           <a:p>
+            <a:r>
+              <a:rPr lang="de-DE" dirty="0" err="1" smtClean="0"/>
+              <a:t>ReactJS</a:t>
+            </a:r>
+            <a:r>
+              <a:rPr lang="de-DE" dirty="0" smtClean="0"/>
+              <a:t>:</a:t>
+            </a:r>
+          </a:p>
+          <a:p>
+            <a:r>
+              <a:rPr lang="de-DE" dirty="0" smtClean="0"/>
+              <a:t>Generiert</a:t>
+            </a:r>
+            <a:r>
+              <a:rPr lang="de-DE" baseline="0" dirty="0" smtClean="0"/>
+              <a:t> Oberfläche aus Code, anstatt diesen einzubinden</a:t>
+            </a:r>
+            <a:endParaRPr lang="de-DE" dirty="0" smtClean="0"/>
+          </a:p>
+          <a:p>
+            <a:r>
+              <a:rPr lang="de-DE" dirty="0" smtClean="0"/>
+              <a:t>JSX</a:t>
+            </a:r>
+            <a:r>
+              <a:rPr lang="de-DE" dirty="0" smtClean="0"/>
+              <a:t>:</a:t>
+            </a:r>
+          </a:p>
+          <a:p>
+            <a:pPr marL="285750" indent="-285750">
+              <a:buClr>
+                <a:schemeClr val="accent3"/>
+              </a:buClr>
+              <a:buFont typeface="Arial" panose="020B0604020202020204" pitchFamily="34" charset="0"/>
+              <a:buChar char="●"/>
+            </a:pPr>
+            <a:r>
+              <a:rPr lang="de-DE" dirty="0" smtClean="0"/>
+              <a:t>UI Elemente werden zu Objekten</a:t>
+            </a:r>
+          </a:p>
+          <a:p>
+            <a:pPr marL="285750" indent="-285750">
+              <a:buClr>
+                <a:schemeClr val="accent3"/>
+              </a:buClr>
+              <a:buFont typeface="Arial" panose="020B0604020202020204" pitchFamily="34" charset="0"/>
+              <a:buChar char="●"/>
+            </a:pPr>
+            <a:r>
+              <a:rPr lang="de-DE" dirty="0" smtClean="0"/>
+              <a:t>Fast JavaScript Syntax</a:t>
+            </a:r>
+          </a:p>
+          <a:p>
+            <a:pPr marL="285750" indent="-285750">
+              <a:buClr>
+                <a:schemeClr val="accent3"/>
+              </a:buClr>
+              <a:buFont typeface="Arial" panose="020B0604020202020204" pitchFamily="34" charset="0"/>
+              <a:buChar char="●"/>
+            </a:pPr>
+            <a:r>
+              <a:rPr lang="de-DE" dirty="0" smtClean="0"/>
+              <a:t>Es gibt auch TSX (Siehe Codebeispiele)</a:t>
+            </a:r>
+          </a:p>
+          <a:p>
+            <a:pPr marL="285750" indent="-285750">
+              <a:buClr>
+                <a:schemeClr val="accent3"/>
+              </a:buClr>
+              <a:buFont typeface="Arial" panose="020B0604020202020204" pitchFamily="34" charset="0"/>
+              <a:buChar char="●"/>
+            </a:pPr>
+            <a:r>
+              <a:rPr lang="de-DE" dirty="0" smtClean="0"/>
+              <a:t>Performant (29% auf Android)</a:t>
+            </a:r>
+          </a:p>
+          <a:p>
+            <a:endParaRPr lang="de-DE" dirty="0" smtClean="0"/>
+          </a:p>
+          <a:p>
+            <a:r>
+              <a:rPr lang="de-DE" dirty="0" smtClean="0"/>
+              <a:t>Komponentenbasiert: </a:t>
+            </a:r>
             <a:endParaRPr lang="de-DE" dirty="0"/>
           </a:p>
         </p:txBody>
@@ -1177,574 +1310,6 @@
           <a:bodyPr/>
           <a:lstStyle/>
           <a:p>
-            <a:pPr marL="0" marR="0" indent="0" algn="l" defTabSz="914400" rtl="0" eaLnBrk="1" fontAlgn="auto" latinLnBrk="0" hangingPunct="1">
-              <a:lnSpc>
-                <a:spcPct val="100000"/>
-              </a:lnSpc>
-              <a:spcBef>
-                <a:spcPts val="0"/>
-              </a:spcBef>
-              <a:spcAft>
-                <a:spcPts val="0"/>
-              </a:spcAft>
-              <a:buClrTx/>
-              <a:buSzTx/>
-              <a:buFontTx/>
-              <a:buNone/>
-              <a:tabLst/>
-              <a:defRPr/>
-            </a:pPr>
-            <a:r>
-              <a:rPr lang="de-DE" dirty="0" smtClean="0"/>
-              <a:t>Facebook</a:t>
-            </a:r>
-          </a:p>
-          <a:p>
-            <a:pPr marL="0" marR="0" indent="0" algn="l" defTabSz="914400" rtl="0" eaLnBrk="1" fontAlgn="auto" latinLnBrk="0" hangingPunct="1">
-              <a:lnSpc>
-                <a:spcPct val="100000"/>
-              </a:lnSpc>
-              <a:spcBef>
-                <a:spcPts val="0"/>
-              </a:spcBef>
-              <a:spcAft>
-                <a:spcPts val="0"/>
-              </a:spcAft>
-              <a:buClrTx/>
-              <a:buSzTx/>
-              <a:buFontTx/>
-              <a:buNone/>
-              <a:tabLst/>
-              <a:defRPr/>
-            </a:pPr>
-            <a:r>
-              <a:rPr lang="de-DE" dirty="0" smtClean="0"/>
-              <a:t>Instagram</a:t>
-            </a:r>
-          </a:p>
-          <a:p>
-            <a:pPr marL="0" marR="0" indent="0" algn="l" defTabSz="914400" rtl="0" eaLnBrk="1" fontAlgn="auto" latinLnBrk="0" hangingPunct="1">
-              <a:lnSpc>
-                <a:spcPct val="100000"/>
-              </a:lnSpc>
-              <a:spcBef>
-                <a:spcPts val="0"/>
-              </a:spcBef>
-              <a:spcAft>
-                <a:spcPts val="0"/>
-              </a:spcAft>
-              <a:buClrTx/>
-              <a:buSzTx/>
-              <a:buFontTx/>
-              <a:buNone/>
-              <a:tabLst/>
-              <a:defRPr/>
-            </a:pPr>
-            <a:r>
-              <a:rPr lang="de-DE" dirty="0" smtClean="0"/>
-              <a:t>Uber</a:t>
-            </a:r>
-          </a:p>
-          <a:p>
-            <a:pPr marL="0" marR="0" indent="0" algn="l" defTabSz="914400" rtl="0" eaLnBrk="1" fontAlgn="auto" latinLnBrk="0" hangingPunct="1">
-              <a:lnSpc>
-                <a:spcPct val="100000"/>
-              </a:lnSpc>
-              <a:spcBef>
-                <a:spcPts val="0"/>
-              </a:spcBef>
-              <a:spcAft>
-                <a:spcPts val="0"/>
-              </a:spcAft>
-              <a:buClrTx/>
-              <a:buSzTx/>
-              <a:buFontTx/>
-              <a:buNone/>
-              <a:tabLst/>
-              <a:defRPr/>
-            </a:pPr>
-            <a:r>
-              <a:rPr lang="de-DE" dirty="0" err="1" smtClean="0"/>
-              <a:t>Netflix</a:t>
-            </a:r>
-            <a:endParaRPr lang="de-DE" dirty="0" smtClean="0"/>
-          </a:p>
-          <a:p>
-            <a:pPr marL="0" marR="0" indent="0" algn="l" defTabSz="914400" rtl="0" eaLnBrk="1" fontAlgn="auto" latinLnBrk="0" hangingPunct="1">
-              <a:lnSpc>
-                <a:spcPct val="100000"/>
-              </a:lnSpc>
-              <a:spcBef>
-                <a:spcPts val="0"/>
-              </a:spcBef>
-              <a:spcAft>
-                <a:spcPts val="0"/>
-              </a:spcAft>
-              <a:buClrTx/>
-              <a:buSzTx/>
-              <a:buFontTx/>
-              <a:buNone/>
-              <a:tabLst/>
-              <a:defRPr/>
-            </a:pPr>
-            <a:r>
-              <a:rPr lang="de-DE" dirty="0" err="1" smtClean="0"/>
-              <a:t>Reddit</a:t>
-            </a:r>
-            <a:endParaRPr lang="de-DE" dirty="0" smtClean="0"/>
-          </a:p>
-          <a:p>
-            <a:pPr marL="0" marR="0" indent="0" algn="l" defTabSz="914400" rtl="0" eaLnBrk="1" fontAlgn="auto" latinLnBrk="0" hangingPunct="1">
-              <a:lnSpc>
-                <a:spcPct val="100000"/>
-              </a:lnSpc>
-              <a:spcBef>
-                <a:spcPts val="0"/>
-              </a:spcBef>
-              <a:spcAft>
-                <a:spcPts val="0"/>
-              </a:spcAft>
-              <a:buClrTx/>
-              <a:buSzTx/>
-              <a:buFontTx/>
-              <a:buNone/>
-              <a:tabLst/>
-              <a:defRPr/>
-            </a:pPr>
-            <a:r>
-              <a:rPr lang="de-DE" dirty="0" smtClean="0"/>
-              <a:t>PayPal</a:t>
-            </a:r>
-            <a:endParaRPr lang="de-DE" dirty="0" smtClean="0"/>
-          </a:p>
-          <a:p>
-            <a:pPr marL="0" marR="0" indent="0" algn="l" defTabSz="914400" rtl="0" eaLnBrk="1" fontAlgn="auto" latinLnBrk="0" hangingPunct="1">
-              <a:lnSpc>
-                <a:spcPct val="100000"/>
-              </a:lnSpc>
-              <a:spcBef>
-                <a:spcPts val="0"/>
-              </a:spcBef>
-              <a:spcAft>
-                <a:spcPts val="0"/>
-              </a:spcAft>
-              <a:buClrTx/>
-              <a:buSzTx/>
-              <a:buFontTx/>
-              <a:buNone/>
-              <a:tabLst/>
-              <a:defRPr/>
-            </a:pPr>
-            <a:r>
-              <a:rPr lang="de-DE" dirty="0" err="1" smtClean="0"/>
-              <a:t>AirBnb</a:t>
-            </a:r>
-            <a:endParaRPr lang="de-DE" dirty="0" smtClean="0"/>
-          </a:p>
-          <a:p>
-            <a:pPr marL="0" marR="0" indent="0" algn="l" defTabSz="914400" rtl="0" eaLnBrk="1" fontAlgn="auto" latinLnBrk="0" hangingPunct="1">
-              <a:lnSpc>
-                <a:spcPct val="100000"/>
-              </a:lnSpc>
-              <a:spcBef>
-                <a:spcPts val="0"/>
-              </a:spcBef>
-              <a:spcAft>
-                <a:spcPts val="0"/>
-              </a:spcAft>
-              <a:buClrTx/>
-              <a:buSzTx/>
-              <a:buFontTx/>
-              <a:buNone/>
-              <a:tabLst/>
-              <a:defRPr/>
-            </a:pPr>
-            <a:r>
-              <a:rPr lang="de-DE" dirty="0" err="1" smtClean="0"/>
-              <a:t>Discord</a:t>
-            </a:r>
-            <a:endParaRPr lang="de-DE" dirty="0" smtClean="0"/>
-          </a:p>
-          <a:p>
-            <a:pPr marL="0" marR="0" indent="0" algn="l" defTabSz="914400" rtl="0" eaLnBrk="1" fontAlgn="auto" latinLnBrk="0" hangingPunct="1">
-              <a:lnSpc>
-                <a:spcPct val="100000"/>
-              </a:lnSpc>
-              <a:spcBef>
-                <a:spcPts val="0"/>
-              </a:spcBef>
-              <a:spcAft>
-                <a:spcPts val="0"/>
-              </a:spcAft>
-              <a:buClrTx/>
-              <a:buSzTx/>
-              <a:buFontTx/>
-              <a:buNone/>
-              <a:tabLst/>
-              <a:defRPr/>
-            </a:pPr>
-            <a:endParaRPr lang="de-DE" dirty="0" smtClean="0"/>
-          </a:p>
-          <a:p>
-            <a:pPr marL="0" marR="0" indent="0" algn="l" defTabSz="914400" rtl="0" eaLnBrk="1" fontAlgn="auto" latinLnBrk="0" hangingPunct="1">
-              <a:lnSpc>
-                <a:spcPct val="100000"/>
-              </a:lnSpc>
-              <a:spcBef>
-                <a:spcPts val="0"/>
-              </a:spcBef>
-              <a:spcAft>
-                <a:spcPts val="0"/>
-              </a:spcAft>
-              <a:buClrTx/>
-              <a:buSzTx/>
-              <a:buFontTx/>
-              <a:buNone/>
-              <a:tabLst/>
-              <a:defRPr/>
-            </a:pPr>
-            <a:r>
-              <a:rPr lang="de-DE" dirty="0" smtClean="0"/>
-              <a:t>BBC</a:t>
-            </a:r>
-          </a:p>
-          <a:p>
-            <a:pPr marL="0" marR="0" indent="0" algn="l" defTabSz="914400" rtl="0" eaLnBrk="1" fontAlgn="auto" latinLnBrk="0" hangingPunct="1">
-              <a:lnSpc>
-                <a:spcPct val="100000"/>
-              </a:lnSpc>
-              <a:spcBef>
-                <a:spcPts val="0"/>
-              </a:spcBef>
-              <a:spcAft>
-                <a:spcPts val="0"/>
-              </a:spcAft>
-              <a:buClrTx/>
-              <a:buSzTx/>
-              <a:buFontTx/>
-              <a:buNone/>
-              <a:tabLst/>
-              <a:defRPr/>
-            </a:pPr>
-            <a:r>
-              <a:rPr lang="de-DE" dirty="0" err="1" smtClean="0"/>
-              <a:t>Codecademy</a:t>
-            </a:r>
-            <a:endParaRPr lang="de-DE" dirty="0" smtClean="0"/>
-          </a:p>
-          <a:p>
-            <a:pPr marL="0" marR="0" indent="0" algn="l" defTabSz="914400" rtl="0" eaLnBrk="1" fontAlgn="auto" latinLnBrk="0" hangingPunct="1">
-              <a:lnSpc>
-                <a:spcPct val="100000"/>
-              </a:lnSpc>
-              <a:spcBef>
-                <a:spcPts val="0"/>
-              </a:spcBef>
-              <a:spcAft>
-                <a:spcPts val="0"/>
-              </a:spcAft>
-              <a:buClrTx/>
-              <a:buSzTx/>
-              <a:buFontTx/>
-              <a:buNone/>
-              <a:tabLst/>
-              <a:defRPr/>
-            </a:pPr>
-            <a:r>
-              <a:rPr lang="de-DE" dirty="0" err="1" smtClean="0"/>
-              <a:t>FreeCodeCamp</a:t>
-            </a:r>
-            <a:endParaRPr lang="de-DE" dirty="0" smtClean="0"/>
-          </a:p>
-          <a:p>
-            <a:pPr marL="0" marR="0" indent="0" algn="l" defTabSz="914400" rtl="0" eaLnBrk="1" fontAlgn="auto" latinLnBrk="0" hangingPunct="1">
-              <a:lnSpc>
-                <a:spcPct val="100000"/>
-              </a:lnSpc>
-              <a:spcBef>
-                <a:spcPts val="0"/>
-              </a:spcBef>
-              <a:spcAft>
-                <a:spcPts val="0"/>
-              </a:spcAft>
-              <a:buClrTx/>
-              <a:buSzTx/>
-              <a:buFontTx/>
-              <a:buNone/>
-              <a:tabLst/>
-              <a:defRPr/>
-            </a:pPr>
-            <a:r>
-              <a:rPr lang="de-DE" dirty="0" err="1" smtClean="0"/>
-              <a:t>Dailymotion</a:t>
-            </a:r>
-            <a:endParaRPr lang="de-DE" dirty="0" smtClean="0"/>
-          </a:p>
-          <a:p>
-            <a:pPr marL="0" marR="0" indent="0" algn="l" defTabSz="914400" rtl="0" eaLnBrk="1" fontAlgn="auto" latinLnBrk="0" hangingPunct="1">
-              <a:lnSpc>
-                <a:spcPct val="100000"/>
-              </a:lnSpc>
-              <a:spcBef>
-                <a:spcPts val="0"/>
-              </a:spcBef>
-              <a:spcAft>
-                <a:spcPts val="0"/>
-              </a:spcAft>
-              <a:buClrTx/>
-              <a:buSzTx/>
-              <a:buFontTx/>
-              <a:buNone/>
-              <a:tabLst/>
-              <a:defRPr/>
-            </a:pPr>
-            <a:r>
-              <a:rPr lang="de-DE" dirty="0" err="1" smtClean="0"/>
-              <a:t>Deezer</a:t>
-            </a:r>
-            <a:endParaRPr lang="de-DE" dirty="0" smtClean="0"/>
-          </a:p>
-          <a:p>
-            <a:pPr marL="0" marR="0" indent="0" algn="l" defTabSz="914400" rtl="0" eaLnBrk="1" fontAlgn="auto" latinLnBrk="0" hangingPunct="1">
-              <a:lnSpc>
-                <a:spcPct val="100000"/>
-              </a:lnSpc>
-              <a:spcBef>
-                <a:spcPts val="0"/>
-              </a:spcBef>
-              <a:spcAft>
-                <a:spcPts val="0"/>
-              </a:spcAft>
-              <a:buClrTx/>
-              <a:buSzTx/>
-              <a:buFontTx/>
-              <a:buNone/>
-              <a:tabLst/>
-              <a:defRPr/>
-            </a:pPr>
-            <a:r>
-              <a:rPr lang="de-DE" dirty="0" smtClean="0"/>
-              <a:t>eBay</a:t>
-            </a:r>
-          </a:p>
-          <a:p>
-            <a:pPr marL="0" marR="0" indent="0" algn="l" defTabSz="914400" rtl="0" eaLnBrk="1" fontAlgn="auto" latinLnBrk="0" hangingPunct="1">
-              <a:lnSpc>
-                <a:spcPct val="100000"/>
-              </a:lnSpc>
-              <a:spcBef>
-                <a:spcPts val="0"/>
-              </a:spcBef>
-              <a:spcAft>
-                <a:spcPts val="0"/>
-              </a:spcAft>
-              <a:buClrTx/>
-              <a:buSzTx/>
-              <a:buFontTx/>
-              <a:buNone/>
-              <a:tabLst/>
-              <a:defRPr/>
-            </a:pPr>
-            <a:r>
-              <a:rPr lang="de-DE" dirty="0" smtClean="0"/>
-              <a:t>Expedia</a:t>
-            </a:r>
-          </a:p>
-          <a:p>
-            <a:pPr marL="0" marR="0" indent="0" algn="l" defTabSz="914400" rtl="0" eaLnBrk="1" fontAlgn="auto" latinLnBrk="0" hangingPunct="1">
-              <a:lnSpc>
-                <a:spcPct val="100000"/>
-              </a:lnSpc>
-              <a:spcBef>
-                <a:spcPts val="0"/>
-              </a:spcBef>
-              <a:spcAft>
-                <a:spcPts val="0"/>
-              </a:spcAft>
-              <a:buClrTx/>
-              <a:buSzTx/>
-              <a:buFontTx/>
-              <a:buNone/>
-              <a:tabLst/>
-              <a:defRPr/>
-            </a:pPr>
-            <a:r>
-              <a:rPr lang="de-DE" dirty="0" smtClean="0"/>
-              <a:t>HBO </a:t>
-            </a:r>
-            <a:r>
-              <a:rPr lang="de-DE" dirty="0" err="1" smtClean="0"/>
-              <a:t>NOw</a:t>
-            </a:r>
-            <a:endParaRPr lang="de-DE" dirty="0" smtClean="0"/>
-          </a:p>
-          <a:p>
-            <a:pPr marL="0" marR="0" indent="0" algn="l" defTabSz="914400" rtl="0" eaLnBrk="1" fontAlgn="auto" latinLnBrk="0" hangingPunct="1">
-              <a:lnSpc>
-                <a:spcPct val="100000"/>
-              </a:lnSpc>
-              <a:spcBef>
-                <a:spcPts val="0"/>
-              </a:spcBef>
-              <a:spcAft>
-                <a:spcPts val="0"/>
-              </a:spcAft>
-              <a:buClrTx/>
-              <a:buSzTx/>
-              <a:buFontTx/>
-              <a:buNone/>
-              <a:tabLst/>
-              <a:defRPr/>
-            </a:pPr>
-            <a:r>
-              <a:rPr lang="de-DE" dirty="0" err="1" smtClean="0"/>
-              <a:t>Nfl</a:t>
-            </a:r>
-            <a:endParaRPr lang="de-DE" dirty="0" smtClean="0"/>
-          </a:p>
-          <a:p>
-            <a:pPr marL="0" marR="0" indent="0" algn="l" defTabSz="914400" rtl="0" eaLnBrk="1" fontAlgn="auto" latinLnBrk="0" hangingPunct="1">
-              <a:lnSpc>
-                <a:spcPct val="100000"/>
-              </a:lnSpc>
-              <a:spcBef>
-                <a:spcPts val="0"/>
-              </a:spcBef>
-              <a:spcAft>
-                <a:spcPts val="0"/>
-              </a:spcAft>
-              <a:buClrTx/>
-              <a:buSzTx/>
-              <a:buFontTx/>
-              <a:buNone/>
-              <a:tabLst/>
-              <a:defRPr/>
-            </a:pPr>
-            <a:r>
-              <a:rPr lang="de-DE" dirty="0" err="1" smtClean="0"/>
-              <a:t>NewYorkTimes</a:t>
-            </a:r>
-            <a:endParaRPr lang="de-DE" dirty="0" smtClean="0"/>
-          </a:p>
-          <a:p>
-            <a:pPr marL="0" marR="0" indent="0" algn="l" defTabSz="914400" rtl="0" eaLnBrk="1" fontAlgn="auto" latinLnBrk="0" hangingPunct="1">
-              <a:lnSpc>
-                <a:spcPct val="100000"/>
-              </a:lnSpc>
-              <a:spcBef>
-                <a:spcPts val="0"/>
-              </a:spcBef>
-              <a:spcAft>
-                <a:spcPts val="0"/>
-              </a:spcAft>
-              <a:buClrTx/>
-              <a:buSzTx/>
-              <a:buFontTx/>
-              <a:buNone/>
-              <a:tabLst/>
-              <a:defRPr/>
-            </a:pPr>
-            <a:r>
-              <a:rPr lang="de-DE" dirty="0" smtClean="0"/>
-              <a:t>Pinterest</a:t>
-            </a:r>
-          </a:p>
-          <a:p>
-            <a:pPr marL="0" marR="0" indent="0" algn="l" defTabSz="914400" rtl="0" eaLnBrk="1" fontAlgn="auto" latinLnBrk="0" hangingPunct="1">
-              <a:lnSpc>
-                <a:spcPct val="100000"/>
-              </a:lnSpc>
-              <a:spcBef>
-                <a:spcPts val="0"/>
-              </a:spcBef>
-              <a:spcAft>
-                <a:spcPts val="0"/>
-              </a:spcAft>
-              <a:buClrTx/>
-              <a:buSzTx/>
-              <a:buFontTx/>
-              <a:buNone/>
-              <a:tabLst/>
-              <a:defRPr/>
-            </a:pPr>
-            <a:r>
-              <a:rPr lang="de-DE" dirty="0" err="1" smtClean="0"/>
-              <a:t>Spotify</a:t>
-            </a:r>
-            <a:endParaRPr lang="de-DE" dirty="0" smtClean="0"/>
-          </a:p>
-          <a:p>
-            <a:pPr marL="0" marR="0" indent="0" algn="l" defTabSz="914400" rtl="0" eaLnBrk="1" fontAlgn="auto" latinLnBrk="0" hangingPunct="1">
-              <a:lnSpc>
-                <a:spcPct val="100000"/>
-              </a:lnSpc>
-              <a:spcBef>
-                <a:spcPts val="0"/>
-              </a:spcBef>
-              <a:spcAft>
-                <a:spcPts val="0"/>
-              </a:spcAft>
-              <a:buClrTx/>
-              <a:buSzTx/>
-              <a:buFontTx/>
-              <a:buNone/>
-              <a:tabLst/>
-              <a:defRPr/>
-            </a:pPr>
-            <a:r>
-              <a:rPr lang="de-DE" dirty="0" smtClean="0"/>
-              <a:t>Twitter</a:t>
-            </a:r>
-          </a:p>
-          <a:p>
-            <a:pPr marL="0" marR="0" indent="0" algn="l" defTabSz="914400" rtl="0" eaLnBrk="1" fontAlgn="auto" latinLnBrk="0" hangingPunct="1">
-              <a:lnSpc>
-                <a:spcPct val="100000"/>
-              </a:lnSpc>
-              <a:spcBef>
-                <a:spcPts val="0"/>
-              </a:spcBef>
-              <a:spcAft>
-                <a:spcPts val="0"/>
-              </a:spcAft>
-              <a:buClrTx/>
-              <a:buSzTx/>
-              <a:buFontTx/>
-              <a:buNone/>
-              <a:tabLst/>
-              <a:defRPr/>
-            </a:pPr>
-            <a:r>
-              <a:rPr lang="de-DE" dirty="0" err="1" smtClean="0"/>
-              <a:t>Walmart</a:t>
-            </a:r>
-            <a:endParaRPr lang="de-DE" dirty="0" smtClean="0"/>
-          </a:p>
-          <a:p>
-            <a:pPr marL="0" marR="0" indent="0" algn="l" defTabSz="914400" rtl="0" eaLnBrk="1" fontAlgn="auto" latinLnBrk="0" hangingPunct="1">
-              <a:lnSpc>
-                <a:spcPct val="100000"/>
-              </a:lnSpc>
-              <a:spcBef>
-                <a:spcPts val="0"/>
-              </a:spcBef>
-              <a:spcAft>
-                <a:spcPts val="0"/>
-              </a:spcAft>
-              <a:buClrTx/>
-              <a:buSzTx/>
-              <a:buFontTx/>
-              <a:buNone/>
-              <a:tabLst/>
-              <a:defRPr/>
-            </a:pPr>
-            <a:r>
-              <a:rPr lang="de-DE" dirty="0" err="1" smtClean="0"/>
-              <a:t>AmazonVideo</a:t>
-            </a:r>
-            <a:endParaRPr lang="de-DE" dirty="0" smtClean="0"/>
-          </a:p>
-          <a:p>
             <a:endParaRPr lang="de-DE" dirty="0"/>
           </a:p>
         </p:txBody>
@@ -1775,7 +1340,7 @@
     </p:spTree>
     <p:extLst>
       <p:ext uri="{BB962C8B-B14F-4D97-AF65-F5344CB8AC3E}">
-        <p14:creationId xmlns:p14="http://schemas.microsoft.com/office/powerpoint/2010/main" val="1071829232"/>
+        <p14:creationId xmlns:p14="http://schemas.microsoft.com/office/powerpoint/2010/main" val="1708810980"/>
       </p:ext>
     </p:extLst>
   </p:cSld>
@@ -1829,6 +1394,573 @@
           <a:bodyPr/>
           <a:lstStyle/>
           <a:p>
+            <a:pPr marL="0" marR="0" indent="0" algn="l" defTabSz="914400" rtl="0" eaLnBrk="1" fontAlgn="auto" latinLnBrk="0" hangingPunct="1">
+              <a:lnSpc>
+                <a:spcPct val="100000"/>
+              </a:lnSpc>
+              <a:spcBef>
+                <a:spcPts val="0"/>
+              </a:spcBef>
+              <a:spcAft>
+                <a:spcPts val="0"/>
+              </a:spcAft>
+              <a:buClrTx/>
+              <a:buSzTx/>
+              <a:buFontTx/>
+              <a:buNone/>
+              <a:tabLst/>
+              <a:defRPr/>
+            </a:pPr>
+            <a:r>
+              <a:rPr lang="de-DE" dirty="0" smtClean="0"/>
+              <a:t>Facebook</a:t>
+            </a:r>
+          </a:p>
+          <a:p>
+            <a:pPr marL="0" marR="0" indent="0" algn="l" defTabSz="914400" rtl="0" eaLnBrk="1" fontAlgn="auto" latinLnBrk="0" hangingPunct="1">
+              <a:lnSpc>
+                <a:spcPct val="100000"/>
+              </a:lnSpc>
+              <a:spcBef>
+                <a:spcPts val="0"/>
+              </a:spcBef>
+              <a:spcAft>
+                <a:spcPts val="0"/>
+              </a:spcAft>
+              <a:buClrTx/>
+              <a:buSzTx/>
+              <a:buFontTx/>
+              <a:buNone/>
+              <a:tabLst/>
+              <a:defRPr/>
+            </a:pPr>
+            <a:r>
+              <a:rPr lang="de-DE" dirty="0" smtClean="0"/>
+              <a:t>Instagram</a:t>
+            </a:r>
+          </a:p>
+          <a:p>
+            <a:pPr marL="0" marR="0" indent="0" algn="l" defTabSz="914400" rtl="0" eaLnBrk="1" fontAlgn="auto" latinLnBrk="0" hangingPunct="1">
+              <a:lnSpc>
+                <a:spcPct val="100000"/>
+              </a:lnSpc>
+              <a:spcBef>
+                <a:spcPts val="0"/>
+              </a:spcBef>
+              <a:spcAft>
+                <a:spcPts val="0"/>
+              </a:spcAft>
+              <a:buClrTx/>
+              <a:buSzTx/>
+              <a:buFontTx/>
+              <a:buNone/>
+              <a:tabLst/>
+              <a:defRPr/>
+            </a:pPr>
+            <a:r>
+              <a:rPr lang="de-DE" dirty="0" smtClean="0"/>
+              <a:t>Uber</a:t>
+            </a:r>
+          </a:p>
+          <a:p>
+            <a:pPr marL="0" marR="0" indent="0" algn="l" defTabSz="914400" rtl="0" eaLnBrk="1" fontAlgn="auto" latinLnBrk="0" hangingPunct="1">
+              <a:lnSpc>
+                <a:spcPct val="100000"/>
+              </a:lnSpc>
+              <a:spcBef>
+                <a:spcPts val="0"/>
+              </a:spcBef>
+              <a:spcAft>
+                <a:spcPts val="0"/>
+              </a:spcAft>
+              <a:buClrTx/>
+              <a:buSzTx/>
+              <a:buFontTx/>
+              <a:buNone/>
+              <a:tabLst/>
+              <a:defRPr/>
+            </a:pPr>
+            <a:r>
+              <a:rPr lang="de-DE" dirty="0" err="1" smtClean="0"/>
+              <a:t>Netflix</a:t>
+            </a:r>
+            <a:endParaRPr lang="de-DE" dirty="0" smtClean="0"/>
+          </a:p>
+          <a:p>
+            <a:pPr marL="0" marR="0" indent="0" algn="l" defTabSz="914400" rtl="0" eaLnBrk="1" fontAlgn="auto" latinLnBrk="0" hangingPunct="1">
+              <a:lnSpc>
+                <a:spcPct val="100000"/>
+              </a:lnSpc>
+              <a:spcBef>
+                <a:spcPts val="0"/>
+              </a:spcBef>
+              <a:spcAft>
+                <a:spcPts val="0"/>
+              </a:spcAft>
+              <a:buClrTx/>
+              <a:buSzTx/>
+              <a:buFontTx/>
+              <a:buNone/>
+              <a:tabLst/>
+              <a:defRPr/>
+            </a:pPr>
+            <a:r>
+              <a:rPr lang="de-DE" dirty="0" err="1" smtClean="0"/>
+              <a:t>Reddit</a:t>
+            </a:r>
+            <a:endParaRPr lang="de-DE" dirty="0" smtClean="0"/>
+          </a:p>
+          <a:p>
+            <a:pPr marL="0" marR="0" indent="0" algn="l" defTabSz="914400" rtl="0" eaLnBrk="1" fontAlgn="auto" latinLnBrk="0" hangingPunct="1">
+              <a:lnSpc>
+                <a:spcPct val="100000"/>
+              </a:lnSpc>
+              <a:spcBef>
+                <a:spcPts val="0"/>
+              </a:spcBef>
+              <a:spcAft>
+                <a:spcPts val="0"/>
+              </a:spcAft>
+              <a:buClrTx/>
+              <a:buSzTx/>
+              <a:buFontTx/>
+              <a:buNone/>
+              <a:tabLst/>
+              <a:defRPr/>
+            </a:pPr>
+            <a:r>
+              <a:rPr lang="de-DE" dirty="0" smtClean="0"/>
+              <a:t>PayPal</a:t>
+            </a:r>
+          </a:p>
+          <a:p>
+            <a:pPr marL="0" marR="0" indent="0" algn="l" defTabSz="914400" rtl="0" eaLnBrk="1" fontAlgn="auto" latinLnBrk="0" hangingPunct="1">
+              <a:lnSpc>
+                <a:spcPct val="100000"/>
+              </a:lnSpc>
+              <a:spcBef>
+                <a:spcPts val="0"/>
+              </a:spcBef>
+              <a:spcAft>
+                <a:spcPts val="0"/>
+              </a:spcAft>
+              <a:buClrTx/>
+              <a:buSzTx/>
+              <a:buFontTx/>
+              <a:buNone/>
+              <a:tabLst/>
+              <a:defRPr/>
+            </a:pPr>
+            <a:r>
+              <a:rPr lang="de-DE" dirty="0" err="1" smtClean="0"/>
+              <a:t>AirBnb</a:t>
+            </a:r>
+            <a:endParaRPr lang="de-DE" dirty="0" smtClean="0"/>
+          </a:p>
+          <a:p>
+            <a:pPr marL="0" marR="0" indent="0" algn="l" defTabSz="914400" rtl="0" eaLnBrk="1" fontAlgn="auto" latinLnBrk="0" hangingPunct="1">
+              <a:lnSpc>
+                <a:spcPct val="100000"/>
+              </a:lnSpc>
+              <a:spcBef>
+                <a:spcPts val="0"/>
+              </a:spcBef>
+              <a:spcAft>
+                <a:spcPts val="0"/>
+              </a:spcAft>
+              <a:buClrTx/>
+              <a:buSzTx/>
+              <a:buFontTx/>
+              <a:buNone/>
+              <a:tabLst/>
+              <a:defRPr/>
+            </a:pPr>
+            <a:r>
+              <a:rPr lang="de-DE" dirty="0" err="1" smtClean="0"/>
+              <a:t>Discord</a:t>
+            </a:r>
+            <a:endParaRPr lang="de-DE" dirty="0" smtClean="0"/>
+          </a:p>
+          <a:p>
+            <a:pPr marL="0" marR="0" indent="0" algn="l" defTabSz="914400" rtl="0" eaLnBrk="1" fontAlgn="auto" latinLnBrk="0" hangingPunct="1">
+              <a:lnSpc>
+                <a:spcPct val="100000"/>
+              </a:lnSpc>
+              <a:spcBef>
+                <a:spcPts val="0"/>
+              </a:spcBef>
+              <a:spcAft>
+                <a:spcPts val="0"/>
+              </a:spcAft>
+              <a:buClrTx/>
+              <a:buSzTx/>
+              <a:buFontTx/>
+              <a:buNone/>
+              <a:tabLst/>
+              <a:defRPr/>
+            </a:pPr>
+            <a:endParaRPr lang="de-DE" dirty="0" smtClean="0"/>
+          </a:p>
+          <a:p>
+            <a:pPr marL="0" marR="0" indent="0" algn="l" defTabSz="914400" rtl="0" eaLnBrk="1" fontAlgn="auto" latinLnBrk="0" hangingPunct="1">
+              <a:lnSpc>
+                <a:spcPct val="100000"/>
+              </a:lnSpc>
+              <a:spcBef>
+                <a:spcPts val="0"/>
+              </a:spcBef>
+              <a:spcAft>
+                <a:spcPts val="0"/>
+              </a:spcAft>
+              <a:buClrTx/>
+              <a:buSzTx/>
+              <a:buFontTx/>
+              <a:buNone/>
+              <a:tabLst/>
+              <a:defRPr/>
+            </a:pPr>
+            <a:r>
+              <a:rPr lang="de-DE" dirty="0" smtClean="0"/>
+              <a:t>BBC</a:t>
+            </a:r>
+          </a:p>
+          <a:p>
+            <a:pPr marL="0" marR="0" indent="0" algn="l" defTabSz="914400" rtl="0" eaLnBrk="1" fontAlgn="auto" latinLnBrk="0" hangingPunct="1">
+              <a:lnSpc>
+                <a:spcPct val="100000"/>
+              </a:lnSpc>
+              <a:spcBef>
+                <a:spcPts val="0"/>
+              </a:spcBef>
+              <a:spcAft>
+                <a:spcPts val="0"/>
+              </a:spcAft>
+              <a:buClrTx/>
+              <a:buSzTx/>
+              <a:buFontTx/>
+              <a:buNone/>
+              <a:tabLst/>
+              <a:defRPr/>
+            </a:pPr>
+            <a:r>
+              <a:rPr lang="de-DE" dirty="0" err="1" smtClean="0"/>
+              <a:t>Codecademy</a:t>
+            </a:r>
+            <a:endParaRPr lang="de-DE" dirty="0" smtClean="0"/>
+          </a:p>
+          <a:p>
+            <a:pPr marL="0" marR="0" indent="0" algn="l" defTabSz="914400" rtl="0" eaLnBrk="1" fontAlgn="auto" latinLnBrk="0" hangingPunct="1">
+              <a:lnSpc>
+                <a:spcPct val="100000"/>
+              </a:lnSpc>
+              <a:spcBef>
+                <a:spcPts val="0"/>
+              </a:spcBef>
+              <a:spcAft>
+                <a:spcPts val="0"/>
+              </a:spcAft>
+              <a:buClrTx/>
+              <a:buSzTx/>
+              <a:buFontTx/>
+              <a:buNone/>
+              <a:tabLst/>
+              <a:defRPr/>
+            </a:pPr>
+            <a:r>
+              <a:rPr lang="de-DE" dirty="0" err="1" smtClean="0"/>
+              <a:t>FreeCodeCamp</a:t>
+            </a:r>
+            <a:endParaRPr lang="de-DE" dirty="0" smtClean="0"/>
+          </a:p>
+          <a:p>
+            <a:pPr marL="0" marR="0" indent="0" algn="l" defTabSz="914400" rtl="0" eaLnBrk="1" fontAlgn="auto" latinLnBrk="0" hangingPunct="1">
+              <a:lnSpc>
+                <a:spcPct val="100000"/>
+              </a:lnSpc>
+              <a:spcBef>
+                <a:spcPts val="0"/>
+              </a:spcBef>
+              <a:spcAft>
+                <a:spcPts val="0"/>
+              </a:spcAft>
+              <a:buClrTx/>
+              <a:buSzTx/>
+              <a:buFontTx/>
+              <a:buNone/>
+              <a:tabLst/>
+              <a:defRPr/>
+            </a:pPr>
+            <a:r>
+              <a:rPr lang="de-DE" dirty="0" err="1" smtClean="0"/>
+              <a:t>Dailymotion</a:t>
+            </a:r>
+            <a:endParaRPr lang="de-DE" dirty="0" smtClean="0"/>
+          </a:p>
+          <a:p>
+            <a:pPr marL="0" marR="0" indent="0" algn="l" defTabSz="914400" rtl="0" eaLnBrk="1" fontAlgn="auto" latinLnBrk="0" hangingPunct="1">
+              <a:lnSpc>
+                <a:spcPct val="100000"/>
+              </a:lnSpc>
+              <a:spcBef>
+                <a:spcPts val="0"/>
+              </a:spcBef>
+              <a:spcAft>
+                <a:spcPts val="0"/>
+              </a:spcAft>
+              <a:buClrTx/>
+              <a:buSzTx/>
+              <a:buFontTx/>
+              <a:buNone/>
+              <a:tabLst/>
+              <a:defRPr/>
+            </a:pPr>
+            <a:r>
+              <a:rPr lang="de-DE" dirty="0" err="1" smtClean="0"/>
+              <a:t>Deezer</a:t>
+            </a:r>
+            <a:endParaRPr lang="de-DE" dirty="0" smtClean="0"/>
+          </a:p>
+          <a:p>
+            <a:pPr marL="0" marR="0" indent="0" algn="l" defTabSz="914400" rtl="0" eaLnBrk="1" fontAlgn="auto" latinLnBrk="0" hangingPunct="1">
+              <a:lnSpc>
+                <a:spcPct val="100000"/>
+              </a:lnSpc>
+              <a:spcBef>
+                <a:spcPts val="0"/>
+              </a:spcBef>
+              <a:spcAft>
+                <a:spcPts val="0"/>
+              </a:spcAft>
+              <a:buClrTx/>
+              <a:buSzTx/>
+              <a:buFontTx/>
+              <a:buNone/>
+              <a:tabLst/>
+              <a:defRPr/>
+            </a:pPr>
+            <a:r>
+              <a:rPr lang="de-DE" dirty="0" smtClean="0"/>
+              <a:t>eBay</a:t>
+            </a:r>
+          </a:p>
+          <a:p>
+            <a:pPr marL="0" marR="0" indent="0" algn="l" defTabSz="914400" rtl="0" eaLnBrk="1" fontAlgn="auto" latinLnBrk="0" hangingPunct="1">
+              <a:lnSpc>
+                <a:spcPct val="100000"/>
+              </a:lnSpc>
+              <a:spcBef>
+                <a:spcPts val="0"/>
+              </a:spcBef>
+              <a:spcAft>
+                <a:spcPts val="0"/>
+              </a:spcAft>
+              <a:buClrTx/>
+              <a:buSzTx/>
+              <a:buFontTx/>
+              <a:buNone/>
+              <a:tabLst/>
+              <a:defRPr/>
+            </a:pPr>
+            <a:r>
+              <a:rPr lang="de-DE" dirty="0" smtClean="0"/>
+              <a:t>Expedia</a:t>
+            </a:r>
+          </a:p>
+          <a:p>
+            <a:pPr marL="0" marR="0" indent="0" algn="l" defTabSz="914400" rtl="0" eaLnBrk="1" fontAlgn="auto" latinLnBrk="0" hangingPunct="1">
+              <a:lnSpc>
+                <a:spcPct val="100000"/>
+              </a:lnSpc>
+              <a:spcBef>
+                <a:spcPts val="0"/>
+              </a:spcBef>
+              <a:spcAft>
+                <a:spcPts val="0"/>
+              </a:spcAft>
+              <a:buClrTx/>
+              <a:buSzTx/>
+              <a:buFontTx/>
+              <a:buNone/>
+              <a:tabLst/>
+              <a:defRPr/>
+            </a:pPr>
+            <a:r>
+              <a:rPr lang="de-DE" dirty="0" smtClean="0"/>
+              <a:t>HBO </a:t>
+            </a:r>
+            <a:r>
+              <a:rPr lang="de-DE" dirty="0" err="1" smtClean="0"/>
+              <a:t>NOw</a:t>
+            </a:r>
+            <a:endParaRPr lang="de-DE" dirty="0" smtClean="0"/>
+          </a:p>
+          <a:p>
+            <a:pPr marL="0" marR="0" indent="0" algn="l" defTabSz="914400" rtl="0" eaLnBrk="1" fontAlgn="auto" latinLnBrk="0" hangingPunct="1">
+              <a:lnSpc>
+                <a:spcPct val="100000"/>
+              </a:lnSpc>
+              <a:spcBef>
+                <a:spcPts val="0"/>
+              </a:spcBef>
+              <a:spcAft>
+                <a:spcPts val="0"/>
+              </a:spcAft>
+              <a:buClrTx/>
+              <a:buSzTx/>
+              <a:buFontTx/>
+              <a:buNone/>
+              <a:tabLst/>
+              <a:defRPr/>
+            </a:pPr>
+            <a:r>
+              <a:rPr lang="de-DE" dirty="0" err="1" smtClean="0"/>
+              <a:t>Nfl</a:t>
+            </a:r>
+            <a:endParaRPr lang="de-DE" dirty="0" smtClean="0"/>
+          </a:p>
+          <a:p>
+            <a:pPr marL="0" marR="0" indent="0" algn="l" defTabSz="914400" rtl="0" eaLnBrk="1" fontAlgn="auto" latinLnBrk="0" hangingPunct="1">
+              <a:lnSpc>
+                <a:spcPct val="100000"/>
+              </a:lnSpc>
+              <a:spcBef>
+                <a:spcPts val="0"/>
+              </a:spcBef>
+              <a:spcAft>
+                <a:spcPts val="0"/>
+              </a:spcAft>
+              <a:buClrTx/>
+              <a:buSzTx/>
+              <a:buFontTx/>
+              <a:buNone/>
+              <a:tabLst/>
+              <a:defRPr/>
+            </a:pPr>
+            <a:r>
+              <a:rPr lang="de-DE" dirty="0" err="1" smtClean="0"/>
+              <a:t>NewYorkTimes</a:t>
+            </a:r>
+            <a:endParaRPr lang="de-DE" dirty="0" smtClean="0"/>
+          </a:p>
+          <a:p>
+            <a:pPr marL="0" marR="0" indent="0" algn="l" defTabSz="914400" rtl="0" eaLnBrk="1" fontAlgn="auto" latinLnBrk="0" hangingPunct="1">
+              <a:lnSpc>
+                <a:spcPct val="100000"/>
+              </a:lnSpc>
+              <a:spcBef>
+                <a:spcPts val="0"/>
+              </a:spcBef>
+              <a:spcAft>
+                <a:spcPts val="0"/>
+              </a:spcAft>
+              <a:buClrTx/>
+              <a:buSzTx/>
+              <a:buFontTx/>
+              <a:buNone/>
+              <a:tabLst/>
+              <a:defRPr/>
+            </a:pPr>
+            <a:r>
+              <a:rPr lang="de-DE" dirty="0" smtClean="0"/>
+              <a:t>Pinterest</a:t>
+            </a:r>
+          </a:p>
+          <a:p>
+            <a:pPr marL="0" marR="0" indent="0" algn="l" defTabSz="914400" rtl="0" eaLnBrk="1" fontAlgn="auto" latinLnBrk="0" hangingPunct="1">
+              <a:lnSpc>
+                <a:spcPct val="100000"/>
+              </a:lnSpc>
+              <a:spcBef>
+                <a:spcPts val="0"/>
+              </a:spcBef>
+              <a:spcAft>
+                <a:spcPts val="0"/>
+              </a:spcAft>
+              <a:buClrTx/>
+              <a:buSzTx/>
+              <a:buFontTx/>
+              <a:buNone/>
+              <a:tabLst/>
+              <a:defRPr/>
+            </a:pPr>
+            <a:r>
+              <a:rPr lang="de-DE" dirty="0" err="1" smtClean="0"/>
+              <a:t>Spotify</a:t>
+            </a:r>
+            <a:endParaRPr lang="de-DE" dirty="0" smtClean="0"/>
+          </a:p>
+          <a:p>
+            <a:pPr marL="0" marR="0" indent="0" algn="l" defTabSz="914400" rtl="0" eaLnBrk="1" fontAlgn="auto" latinLnBrk="0" hangingPunct="1">
+              <a:lnSpc>
+                <a:spcPct val="100000"/>
+              </a:lnSpc>
+              <a:spcBef>
+                <a:spcPts val="0"/>
+              </a:spcBef>
+              <a:spcAft>
+                <a:spcPts val="0"/>
+              </a:spcAft>
+              <a:buClrTx/>
+              <a:buSzTx/>
+              <a:buFontTx/>
+              <a:buNone/>
+              <a:tabLst/>
+              <a:defRPr/>
+            </a:pPr>
+            <a:r>
+              <a:rPr lang="de-DE" dirty="0" smtClean="0"/>
+              <a:t>Twitter</a:t>
+            </a:r>
+          </a:p>
+          <a:p>
+            <a:pPr marL="0" marR="0" indent="0" algn="l" defTabSz="914400" rtl="0" eaLnBrk="1" fontAlgn="auto" latinLnBrk="0" hangingPunct="1">
+              <a:lnSpc>
+                <a:spcPct val="100000"/>
+              </a:lnSpc>
+              <a:spcBef>
+                <a:spcPts val="0"/>
+              </a:spcBef>
+              <a:spcAft>
+                <a:spcPts val="0"/>
+              </a:spcAft>
+              <a:buClrTx/>
+              <a:buSzTx/>
+              <a:buFontTx/>
+              <a:buNone/>
+              <a:tabLst/>
+              <a:defRPr/>
+            </a:pPr>
+            <a:r>
+              <a:rPr lang="de-DE" dirty="0" err="1" smtClean="0"/>
+              <a:t>Walmart</a:t>
+            </a:r>
+            <a:endParaRPr lang="de-DE" dirty="0" smtClean="0"/>
+          </a:p>
+          <a:p>
+            <a:pPr marL="0" marR="0" indent="0" algn="l" defTabSz="914400" rtl="0" eaLnBrk="1" fontAlgn="auto" latinLnBrk="0" hangingPunct="1">
+              <a:lnSpc>
+                <a:spcPct val="100000"/>
+              </a:lnSpc>
+              <a:spcBef>
+                <a:spcPts val="0"/>
+              </a:spcBef>
+              <a:spcAft>
+                <a:spcPts val="0"/>
+              </a:spcAft>
+              <a:buClrTx/>
+              <a:buSzTx/>
+              <a:buFontTx/>
+              <a:buNone/>
+              <a:tabLst/>
+              <a:defRPr/>
+            </a:pPr>
+            <a:r>
+              <a:rPr lang="de-DE" dirty="0" err="1" smtClean="0"/>
+              <a:t>AmazonVideo</a:t>
+            </a:r>
+            <a:endParaRPr lang="de-DE" dirty="0" smtClean="0"/>
+          </a:p>
+          <a:p>
             <a:endParaRPr lang="de-DE" dirty="0"/>
           </a:p>
         </p:txBody>
@@ -1859,7 +1991,175 @@
     </p:spTree>
     <p:extLst>
       <p:ext uri="{BB962C8B-B14F-4D97-AF65-F5344CB8AC3E}">
+        <p14:creationId xmlns:p14="http://schemas.microsoft.com/office/powerpoint/2010/main" val="1071829232"/>
+      </p:ext>
+    </p:extLst>
+  </p:cSld>
+  <p:clrMapOvr>
+    <a:masterClrMapping/>
+  </p:clrMapOvr>
+</p:notes>
+</file>
+
+<file path=ppt/notesSlides/notesSlide6.xml><?xml version="1.0" encoding="utf-8"?>
+<p:notes xmlns:a="http://schemas.openxmlformats.org/drawingml/2006/main" xmlns:r="http://schemas.openxmlformats.org/officeDocument/2006/relationships" xmlns:p="http://schemas.openxmlformats.org/presentationml/2006/main">
+  <p:cSld>
+    <p:spTree>
+      <p:nvGrpSpPr>
+        <p:cNvPr id="1" name=""/>
+        <p:cNvGrpSpPr/>
+        <p:nvPr/>
+      </p:nvGrpSpPr>
+      <p:grpSpPr>
+        <a:xfrm>
+          <a:off x="0" y="0"/>
+          <a:ext cx="0" cy="0"/>
+          <a:chOff x="0" y="0"/>
+          <a:chExt cx="0" cy="0"/>
+        </a:xfrm>
+      </p:grpSpPr>
+      <p:sp>
+        <p:nvSpPr>
+          <p:cNvPr id="2" name="Folienbildplatzhalter 1"/>
+          <p:cNvSpPr>
+            <a:spLocks noGrp="1" noRot="1" noChangeAspect="1"/>
+          </p:cNvSpPr>
+          <p:nvPr>
+            <p:ph type="sldImg"/>
+          </p:nvPr>
+        </p:nvSpPr>
+        <p:spPr/>
+      </p:sp>
+      <p:sp>
+        <p:nvSpPr>
+          <p:cNvPr id="3" name="Notizenplatzhalter 2"/>
+          <p:cNvSpPr>
+            <a:spLocks noGrp="1"/>
+          </p:cNvSpPr>
+          <p:nvPr>
+            <p:ph type="body" idx="1"/>
+          </p:nvPr>
+        </p:nvSpPr>
+        <p:spPr/>
+        <p:txBody>
+          <a:bodyPr/>
+          <a:lstStyle/>
+          <a:p>
+            <a:endParaRPr lang="de-DE" dirty="0"/>
+          </a:p>
+        </p:txBody>
+      </p:sp>
+      <p:sp>
+        <p:nvSpPr>
+          <p:cNvPr id="4" name="Foliennummernplatzhalter 3"/>
+          <p:cNvSpPr>
+            <a:spLocks noGrp="1"/>
+          </p:cNvSpPr>
+          <p:nvPr>
+            <p:ph type="sldNum" sz="quarter" idx="10"/>
+          </p:nvPr>
+        </p:nvSpPr>
+        <p:spPr/>
+        <p:txBody>
+          <a:bodyPr/>
+          <a:lstStyle/>
+          <a:p>
+            <a:fld id="{69D0E59C-A1CD-4B3B-825E-331B59F2F74A}" type="slidenum">
+              <a:rPr lang="de-DE" smtClean="0"/>
+              <a:t>9</a:t>
+            </a:fld>
+            <a:endParaRPr lang="de-DE"/>
+          </a:p>
+        </p:txBody>
+      </p:sp>
+    </p:spTree>
+    <p:extLst>
+      <p:ext uri="{BB962C8B-B14F-4D97-AF65-F5344CB8AC3E}">
         <p14:creationId xmlns:p14="http://schemas.microsoft.com/office/powerpoint/2010/main" val="1708810980"/>
+      </p:ext>
+    </p:extLst>
+  </p:cSld>
+  <p:clrMapOvr>
+    <a:masterClrMapping/>
+  </p:clrMapOvr>
+</p:notes>
+</file>
+
+<file path=ppt/notesSlides/notesSlide7.xml><?xml version="1.0" encoding="utf-8"?>
+<p:notes xmlns:a="http://schemas.openxmlformats.org/drawingml/2006/main" xmlns:r="http://schemas.openxmlformats.org/officeDocument/2006/relationships" xmlns:p="http://schemas.openxmlformats.org/presentationml/2006/main">
+  <p:cSld>
+    <p:spTree>
+      <p:nvGrpSpPr>
+        <p:cNvPr id="1" name=""/>
+        <p:cNvGrpSpPr/>
+        <p:nvPr/>
+      </p:nvGrpSpPr>
+      <p:grpSpPr>
+        <a:xfrm>
+          <a:off x="0" y="0"/>
+          <a:ext cx="0" cy="0"/>
+          <a:chOff x="0" y="0"/>
+          <a:chExt cx="0" cy="0"/>
+        </a:xfrm>
+      </p:grpSpPr>
+      <p:sp>
+        <p:nvSpPr>
+          <p:cNvPr id="2" name="Folienbildplatzhalter 1"/>
+          <p:cNvSpPr>
+            <a:spLocks noGrp="1" noRot="1" noChangeAspect="1"/>
+          </p:cNvSpPr>
+          <p:nvPr>
+            <p:ph type="sldImg"/>
+          </p:nvPr>
+        </p:nvSpPr>
+        <p:spPr/>
+      </p:sp>
+      <p:sp>
+        <p:nvSpPr>
+          <p:cNvPr id="3" name="Notizenplatzhalter 2"/>
+          <p:cNvSpPr>
+            <a:spLocks noGrp="1"/>
+          </p:cNvSpPr>
+          <p:nvPr>
+            <p:ph type="body" idx="1"/>
+          </p:nvPr>
+        </p:nvSpPr>
+        <p:spPr/>
+        <p:txBody>
+          <a:bodyPr/>
+          <a:lstStyle/>
+          <a:p>
+            <a:endParaRPr lang="de-DE" dirty="0"/>
+          </a:p>
+        </p:txBody>
+      </p:sp>
+      <p:sp>
+        <p:nvSpPr>
+          <p:cNvPr id="4" name="Foliennummernplatzhalter 3"/>
+          <p:cNvSpPr>
+            <a:spLocks noGrp="1"/>
+          </p:cNvSpPr>
+          <p:nvPr>
+            <p:ph type="sldNum" sz="quarter" idx="10"/>
+          </p:nvPr>
+        </p:nvSpPr>
+        <p:spPr/>
+        <p:txBody>
+          <a:bodyPr/>
+          <a:lstStyle/>
+          <a:p>
+            <a:fld id="{69D0E59C-A1CD-4B3B-825E-331B59F2F74A}" type="slidenum">
+              <a:rPr lang="de-DE" smtClean="0"/>
+              <a:t>10</a:t>
+            </a:fld>
+            <a:endParaRPr lang="de-DE"/>
+          </a:p>
+        </p:txBody>
+      </p:sp>
+    </p:spTree>
+    <p:extLst>
+      <p:ext uri="{BB962C8B-B14F-4D97-AF65-F5344CB8AC3E}">
+        <p14:creationId xmlns:p14="http://schemas.microsoft.com/office/powerpoint/2010/main" val="354815062"/>
       </p:ext>
     </p:extLst>
   </p:cSld>
@@ -14710,6 +15010,231 @@
         <p:cTn id="1" dur="indefinite" restart="never" nodeType="tmRoot"/>
       </p:par>
     </p:tnLst>
+  </p:timing>
+</p:sld>
+</file>
+
+<file path=ppt/slides/slide10.xml><?xml version="1.0" encoding="utf-8"?>
+<p:sld xmlns:a="http://schemas.openxmlformats.org/drawingml/2006/main" xmlns:r="http://schemas.openxmlformats.org/officeDocument/2006/relationships" xmlns:p="http://schemas.openxmlformats.org/presentationml/2006/main">
+  <p:cSld>
+    <p:spTree>
+      <p:nvGrpSpPr>
+        <p:cNvPr id="1" name=""/>
+        <p:cNvGrpSpPr/>
+        <p:nvPr/>
+      </p:nvGrpSpPr>
+      <p:grpSpPr>
+        <a:xfrm>
+          <a:off x="0" y="0"/>
+          <a:ext cx="0" cy="0"/>
+          <a:chOff x="0" y="0"/>
+          <a:chExt cx="0" cy="0"/>
+        </a:xfrm>
+      </p:grpSpPr>
+      <p:sp>
+        <p:nvSpPr>
+          <p:cNvPr id="10" name="Titel 9"/>
+          <p:cNvSpPr>
+            <a:spLocks noGrp="1"/>
+          </p:cNvSpPr>
+          <p:nvPr>
+            <p:ph type="title"/>
+          </p:nvPr>
+        </p:nvSpPr>
+        <p:spPr/>
+        <p:txBody>
+          <a:bodyPr/>
+          <a:lstStyle/>
+          <a:p>
+            <a:r>
+              <a:rPr lang="de-DE" dirty="0"/>
+              <a:t>	</a:t>
+            </a:r>
+          </a:p>
+        </p:txBody>
+      </p:sp>
+      <p:sp>
+        <p:nvSpPr>
+          <p:cNvPr id="2" name="Textfeld 1"/>
+          <p:cNvSpPr txBox="1"/>
+          <p:nvPr/>
+        </p:nvSpPr>
+        <p:spPr>
+          <a:xfrm>
+            <a:off x="1691640" y="2042160"/>
+            <a:ext cx="5760720" cy="1051560"/>
+          </a:xfrm>
+          <a:prstGeom prst="rect">
+            <a:avLst/>
+          </a:prstGeom>
+          <a:noFill/>
+        </p:spPr>
+        <p:txBody>
+          <a:bodyPr wrap="none" rtlCol="0" anchor="ctr">
+            <a:noAutofit/>
+          </a:bodyPr>
+          <a:lstStyle/>
+          <a:p>
+            <a:pPr algn="ctr"/>
+            <a:r>
+              <a:rPr lang="de-DE" sz="2400" b="1" dirty="0" err="1" smtClean="0">
+                <a:solidFill>
+                  <a:srgbClr val="344046"/>
+                </a:solidFill>
+              </a:rPr>
+              <a:t>Let‘s</a:t>
+            </a:r>
+            <a:r>
+              <a:rPr lang="de-DE" sz="2400" b="1" dirty="0" smtClean="0">
+                <a:solidFill>
+                  <a:srgbClr val="344046"/>
+                </a:solidFill>
+              </a:rPr>
+              <a:t> </a:t>
+            </a:r>
+            <a:r>
+              <a:rPr lang="de-DE" sz="2400" b="1" dirty="0">
+                <a:solidFill>
+                  <a:srgbClr val="344046"/>
+                </a:solidFill>
+              </a:rPr>
+              <a:t>C</a:t>
+            </a:r>
+            <a:r>
+              <a:rPr lang="de-DE" sz="2400" b="1" dirty="0" smtClean="0">
+                <a:solidFill>
+                  <a:srgbClr val="344046"/>
+                </a:solidFill>
+              </a:rPr>
+              <a:t>ode </a:t>
+            </a:r>
+            <a:r>
+              <a:rPr lang="de-DE" sz="2400" b="1" dirty="0" smtClean="0">
+                <a:solidFill>
+                  <a:srgbClr val="344046"/>
+                </a:solidFill>
+                <a:sym typeface="Wingdings" panose="05000000000000000000" pitchFamily="2" charset="2"/>
+              </a:rPr>
+              <a:t></a:t>
+            </a:r>
+            <a:endParaRPr lang="de-DE" sz="2400" b="1" dirty="0" smtClean="0">
+              <a:solidFill>
+                <a:srgbClr val="344046"/>
+              </a:solidFill>
+            </a:endParaRPr>
+          </a:p>
+        </p:txBody>
+      </p:sp>
+    </p:spTree>
+    <p:extLst>
+      <p:ext uri="{BB962C8B-B14F-4D97-AF65-F5344CB8AC3E}">
+        <p14:creationId xmlns:p14="http://schemas.microsoft.com/office/powerpoint/2010/main" val="951244815"/>
+      </p:ext>
+    </p:extLst>
+  </p:cSld>
+  <p:clrMapOvr>
+    <a:masterClrMapping/>
+  </p:clrMapOvr>
+  <mc:AlternateContent xmlns:mc="http://schemas.openxmlformats.org/markup-compatibility/2006" xmlns:p14="http://schemas.microsoft.com/office/powerpoint/2010/main">
+    <mc:Choice Requires="p14">
+      <p:transition spd="med" p14:dur="700">
+        <p:fade/>
+      </p:transition>
+    </mc:Choice>
+    <mc:Fallback xmlns="">
+      <p:transition spd="med">
+        <p:fade/>
+      </p:transition>
+    </mc:Fallback>
+  </mc:AlternateContent>
+  <p:timing>
+    <p:tnLst>
+      <p:par>
+        <p:cTn id="1" dur="indefinite" restart="never" nodeType="tmRoot">
+          <p:childTnLst>
+            <p:seq concurrent="1" nextAc="seek">
+              <p:cTn id="2" dur="indefinite" nodeType="mainSeq">
+                <p:childTnLst>
+                  <p:par>
+                    <p:cTn id="3" fill="hold">
+                      <p:stCondLst>
+                        <p:cond delay="indefinite"/>
+                        <p:cond evt="onBegin" delay="0">
+                          <p:tn val="2"/>
+                        </p:cond>
+                      </p:stCondLst>
+                      <p:childTnLst>
+                        <p:par>
+                          <p:cTn id="4" fill="hold">
+                            <p:stCondLst>
+                              <p:cond delay="0"/>
+                            </p:stCondLst>
+                            <p:childTnLst>
+                              <p:par>
+                                <p:cTn id="5" presetID="10" presetClass="entr" presetSubtype="0" fill="hold" grpId="0" nodeType="withEffect">
+                                  <p:stCondLst>
+                                    <p:cond delay="0"/>
+                                  </p:stCondLst>
+                                  <p:childTnLst>
+                                    <p:set>
+                                      <p:cBhvr>
+                                        <p:cTn id="6" dur="1" fill="hold">
+                                          <p:stCondLst>
+                                            <p:cond delay="0"/>
+                                          </p:stCondLst>
+                                        </p:cTn>
+                                        <p:tgtEl>
+                                          <p:spTgt spid="2"/>
+                                        </p:tgtEl>
+                                        <p:attrNameLst>
+                                          <p:attrName>style.visibility</p:attrName>
+                                        </p:attrNameLst>
+                                      </p:cBhvr>
+                                      <p:to>
+                                        <p:strVal val="visible"/>
+                                      </p:to>
+                                    </p:set>
+                                    <p:animEffect transition="in" filter="fade">
+                                      <p:cBhvr>
+                                        <p:cTn id="7" dur="500"/>
+                                        <p:tgtEl>
+                                          <p:spTgt spid="2"/>
+                                        </p:tgtEl>
+                                      </p:cBhvr>
+                                    </p:animEffect>
+                                  </p:childTnLst>
+                                </p:cTn>
+                              </p:par>
+                            </p:childTnLst>
+                          </p:cTn>
+                        </p:par>
+                      </p:childTnLst>
+                    </p:cTn>
+                  </p:par>
+                </p:childTnLst>
+              </p:cTn>
+              <p:prevCondLst>
+                <p:cond evt="onPrev" delay="0">
+                  <p:tgtEl>
+                    <p:sldTgt/>
+                  </p:tgtEl>
+                </p:cond>
+              </p:prevCondLst>
+              <p:nextCondLst>
+                <p:cond evt="onNext" delay="0">
+                  <p:tgtEl>
+                    <p:sldTgt/>
+                  </p:tgtEl>
+                </p:cond>
+              </p:nextCondLst>
+            </p:seq>
+          </p:childTnLst>
+        </p:cTn>
+      </p:par>
+    </p:tnLst>
+    <p:bldLst>
+      <p:bldP spid="2" grpId="0"/>
+    </p:bldLst>
   </p:timing>
 </p:sld>
 </file>
@@ -15864,6 +16389,282 @@
               <a:t>ReactJS</a:t>
             </a:r>
             <a:r>
+              <a:rPr lang="de-DE" dirty="0"/>
+              <a:t>	</a:t>
+            </a:r>
+          </a:p>
+        </p:txBody>
+      </p:sp>
+      <p:sp>
+        <p:nvSpPr>
+          <p:cNvPr id="2" name="Textfeld 1"/>
+          <p:cNvSpPr txBox="1"/>
+          <p:nvPr/>
+        </p:nvSpPr>
+        <p:spPr>
+          <a:xfrm>
+            <a:off x="1691640" y="2042160"/>
+            <a:ext cx="5760720" cy="1051560"/>
+          </a:xfrm>
+          <a:prstGeom prst="rect">
+            <a:avLst/>
+          </a:prstGeom>
+          <a:noFill/>
+        </p:spPr>
+        <p:txBody>
+          <a:bodyPr wrap="none" rtlCol="0" anchor="ctr">
+            <a:noAutofit/>
+          </a:bodyPr>
+          <a:lstStyle/>
+          <a:p>
+            <a:pPr algn="ctr"/>
+            <a:r>
+              <a:rPr lang="de-DE" dirty="0" smtClean="0">
+                <a:solidFill>
+                  <a:srgbClr val="344046"/>
+                </a:solidFill>
+              </a:rPr>
+              <a:t>„A JavaScript </a:t>
+            </a:r>
+            <a:r>
+              <a:rPr lang="de-DE" dirty="0" err="1" smtClean="0">
+                <a:solidFill>
+                  <a:srgbClr val="344046"/>
+                </a:solidFill>
+              </a:rPr>
+              <a:t>library</a:t>
+            </a:r>
+            <a:r>
+              <a:rPr lang="de-DE" dirty="0" smtClean="0">
+                <a:solidFill>
+                  <a:srgbClr val="344046"/>
+                </a:solidFill>
+              </a:rPr>
+              <a:t> </a:t>
+            </a:r>
+            <a:r>
+              <a:rPr lang="de-DE" dirty="0" err="1" smtClean="0">
+                <a:solidFill>
+                  <a:srgbClr val="344046"/>
+                </a:solidFill>
+              </a:rPr>
+              <a:t>for</a:t>
+            </a:r>
+            <a:r>
+              <a:rPr lang="de-DE" dirty="0" smtClean="0">
+                <a:solidFill>
+                  <a:srgbClr val="344046"/>
+                </a:solidFill>
+              </a:rPr>
+              <a:t> </a:t>
+            </a:r>
+            <a:r>
+              <a:rPr lang="de-DE" dirty="0" err="1" smtClean="0">
+                <a:solidFill>
+                  <a:srgbClr val="344046"/>
+                </a:solidFill>
+              </a:rPr>
+              <a:t>building</a:t>
+            </a:r>
+            <a:r>
+              <a:rPr lang="de-DE" dirty="0" smtClean="0">
+                <a:solidFill>
+                  <a:srgbClr val="344046"/>
+                </a:solidFill>
+              </a:rPr>
+              <a:t> </a:t>
+            </a:r>
+            <a:r>
+              <a:rPr lang="de-DE" dirty="0" err="1" smtClean="0">
+                <a:solidFill>
+                  <a:srgbClr val="344046"/>
+                </a:solidFill>
+              </a:rPr>
+              <a:t>user</a:t>
+            </a:r>
+            <a:r>
+              <a:rPr lang="de-DE" dirty="0" smtClean="0">
+                <a:solidFill>
+                  <a:srgbClr val="344046"/>
+                </a:solidFill>
+              </a:rPr>
+              <a:t> </a:t>
+            </a:r>
+            <a:r>
+              <a:rPr lang="de-DE" dirty="0" err="1" smtClean="0">
+                <a:solidFill>
+                  <a:srgbClr val="344046"/>
+                </a:solidFill>
+              </a:rPr>
+              <a:t>interfaces</a:t>
+            </a:r>
+            <a:r>
+              <a:rPr lang="de-DE" dirty="0" smtClean="0">
+                <a:solidFill>
+                  <a:srgbClr val="344046"/>
+                </a:solidFill>
+              </a:rPr>
+              <a:t>“</a:t>
+            </a:r>
+            <a:endParaRPr lang="de-DE" dirty="0" smtClean="0">
+              <a:solidFill>
+                <a:srgbClr val="344046"/>
+              </a:solidFill>
+            </a:endParaRPr>
+          </a:p>
+        </p:txBody>
+      </p:sp>
+    </p:spTree>
+    <p:extLst>
+      <p:ext uri="{BB962C8B-B14F-4D97-AF65-F5344CB8AC3E}">
+        <p14:creationId xmlns:p14="http://schemas.microsoft.com/office/powerpoint/2010/main" val="2722596169"/>
+      </p:ext>
+    </p:extLst>
+  </p:cSld>
+  <p:clrMapOvr>
+    <a:masterClrMapping/>
+  </p:clrMapOvr>
+  <mc:AlternateContent xmlns:mc="http://schemas.openxmlformats.org/markup-compatibility/2006" xmlns:p14="http://schemas.microsoft.com/office/powerpoint/2010/main">
+    <mc:Choice Requires="p14">
+      <p:transition spd="med" p14:dur="700">
+        <p:fade/>
+      </p:transition>
+    </mc:Choice>
+    <mc:Fallback xmlns="">
+      <p:transition spd="med">
+        <p:fade/>
+      </p:transition>
+    </mc:Fallback>
+  </mc:AlternateContent>
+  <p:timing>
+    <p:tnLst>
+      <p:par>
+        <p:cTn id="1" dur="indefinite" restart="never" nodeType="tmRoot">
+          <p:childTnLst>
+            <p:seq concurrent="1" nextAc="seek">
+              <p:cTn id="2" dur="indefinite" nodeType="mainSeq">
+                <p:childTnLst>
+                  <p:par>
+                    <p:cTn id="3" fill="hold">
+                      <p:stCondLst>
+                        <p:cond delay="indefinite"/>
+                        <p:cond evt="onBegin" delay="0">
+                          <p:tn val="2"/>
+                        </p:cond>
+                      </p:stCondLst>
+                      <p:childTnLst>
+                        <p:par>
+                          <p:cTn id="4" fill="hold">
+                            <p:stCondLst>
+                              <p:cond delay="0"/>
+                            </p:stCondLst>
+                            <p:childTnLst>
+                              <p:par>
+                                <p:cTn id="5" presetID="10" presetClass="entr" presetSubtype="0" fill="hold" grpId="0" nodeType="withEffect">
+                                  <p:stCondLst>
+                                    <p:cond delay="0"/>
+                                  </p:stCondLst>
+                                  <p:childTnLst>
+                                    <p:set>
+                                      <p:cBhvr>
+                                        <p:cTn id="6" dur="1" fill="hold">
+                                          <p:stCondLst>
+                                            <p:cond delay="0"/>
+                                          </p:stCondLst>
+                                        </p:cTn>
+                                        <p:tgtEl>
+                                          <p:spTgt spid="2"/>
+                                        </p:tgtEl>
+                                        <p:attrNameLst>
+                                          <p:attrName>style.visibility</p:attrName>
+                                        </p:attrNameLst>
+                                      </p:cBhvr>
+                                      <p:to>
+                                        <p:strVal val="visible"/>
+                                      </p:to>
+                                    </p:set>
+                                    <p:animEffect transition="in" filter="fade">
+                                      <p:cBhvr>
+                                        <p:cTn id="7" dur="500"/>
+                                        <p:tgtEl>
+                                          <p:spTgt spid="2"/>
+                                        </p:tgtEl>
+                                      </p:cBhvr>
+                                    </p:animEffect>
+                                  </p:childTnLst>
+                                </p:cTn>
+                              </p:par>
+                            </p:childTnLst>
+                          </p:cTn>
+                        </p:par>
+                      </p:childTnLst>
+                    </p:cTn>
+                  </p:par>
+                </p:childTnLst>
+              </p:cTn>
+              <p:prevCondLst>
+                <p:cond evt="onPrev" delay="0">
+                  <p:tgtEl>
+                    <p:sldTgt/>
+                  </p:tgtEl>
+                </p:cond>
+              </p:prevCondLst>
+              <p:nextCondLst>
+                <p:cond evt="onNext" delay="0">
+                  <p:tgtEl>
+                    <p:sldTgt/>
+                  </p:tgtEl>
+                </p:cond>
+              </p:nextCondLst>
+            </p:seq>
+          </p:childTnLst>
+        </p:cTn>
+      </p:par>
+    </p:tnLst>
+    <p:bldLst>
+      <p:bldP spid="2" grpId="0"/>
+    </p:bldLst>
+  </p:timing>
+</p:sld>
+</file>
+
+<file path=ppt/slides/slide6.xml><?xml version="1.0" encoding="utf-8"?>
+<p:sld xmlns:a="http://schemas.openxmlformats.org/drawingml/2006/main" xmlns:r="http://schemas.openxmlformats.org/officeDocument/2006/relationships" xmlns:p="http://schemas.openxmlformats.org/presentationml/2006/main">
+  <p:cSld>
+    <p:spTree>
+      <p:nvGrpSpPr>
+        <p:cNvPr id="1" name=""/>
+        <p:cNvGrpSpPr/>
+        <p:nvPr/>
+      </p:nvGrpSpPr>
+      <p:grpSpPr>
+        <a:xfrm>
+          <a:off x="0" y="0"/>
+          <a:ext cx="0" cy="0"/>
+          <a:chOff x="0" y="0"/>
+          <a:chExt cx="0" cy="0"/>
+        </a:xfrm>
+      </p:grpSpPr>
+      <p:sp>
+        <p:nvSpPr>
+          <p:cNvPr id="10" name="Titel 9"/>
+          <p:cNvSpPr>
+            <a:spLocks noGrp="1"/>
+          </p:cNvSpPr>
+          <p:nvPr>
+            <p:ph type="title"/>
+          </p:nvPr>
+        </p:nvSpPr>
+        <p:spPr/>
+        <p:txBody>
+          <a:bodyPr/>
+          <a:lstStyle/>
+          <a:p>
+            <a:r>
+              <a:rPr lang="de-DE" dirty="0" err="1" smtClean="0"/>
+              <a:t>ReactJS</a:t>
+            </a:r>
+            <a:r>
               <a:rPr lang="de-DE" dirty="0" smtClean="0"/>
               <a:t>: Einführung</a:t>
             </a:r>
@@ -16016,7 +16817,7 @@
 </p:sld>
 </file>
 
-<file path=ppt/slides/slide6.xml><?xml version="1.0" encoding="utf-8"?>
+<file path=ppt/slides/slide7.xml><?xml version="1.0" encoding="utf-8"?>
 <p:sld xmlns:a="http://schemas.openxmlformats.org/drawingml/2006/main" xmlns:r="http://schemas.openxmlformats.org/officeDocument/2006/relationships" xmlns:p="http://schemas.openxmlformats.org/presentationml/2006/main">
   <p:cSld>
     <p:spTree>
@@ -16054,11 +16855,7 @@
             </a:r>
             <a:r>
               <a:rPr lang="de-DE" dirty="0" smtClean="0"/>
-              <a:t>: </a:t>
-            </a:r>
-            <a:r>
-              <a:rPr lang="de-DE" dirty="0" smtClean="0"/>
-              <a:t>Vorteile</a:t>
+              <a:t>: Vorteile</a:t>
             </a:r>
             <a:r>
               <a:rPr lang="de-DE" dirty="0"/>
@@ -16124,27 +16921,34 @@
             </a:pPr>
             <a:r>
               <a:rPr lang="de-DE" dirty="0" smtClean="0"/>
-              <a:t>„The Dom </a:t>
+              <a:t>Komponentenbasiert</a:t>
+            </a:r>
+            <a:endParaRPr lang="de-DE" dirty="0" smtClean="0"/>
+          </a:p>
+          <a:p>
+            <a:pPr marL="557213" lvl="1" indent="-285750"/>
+            <a:r>
+              <a:rPr lang="de-DE" dirty="0" smtClean="0"/>
+              <a:t>Wiederverwendbar (</a:t>
             </a:r>
             <a:r>
               <a:rPr lang="de-DE" dirty="0" err="1" smtClean="0"/>
-              <a:t>is</a:t>
+              <a:t>Applikations</a:t>
             </a:r>
             <a:r>
               <a:rPr lang="de-DE" dirty="0" smtClean="0"/>
-              <a:t> a </a:t>
+              <a:t> übergreifend)</a:t>
+            </a:r>
+          </a:p>
+          <a:p>
+            <a:pPr marL="557213" lvl="1" indent="-285750"/>
+            <a:r>
+              <a:rPr lang="de-DE" dirty="0" smtClean="0"/>
+              <a:t>In sich geschlossene </a:t>
             </a:r>
             <a:r>
               <a:rPr lang="de-DE" dirty="0" err="1" smtClean="0"/>
-              <a:t>Mess</a:t>
-            </a:r>
-            <a:r>
-              <a:rPr lang="de-DE" dirty="0" smtClean="0"/>
-              <a:t>“ – John </a:t>
-            </a:r>
-            <a:r>
-              <a:rPr lang="de-DE" dirty="0" err="1" smtClean="0"/>
-              <a:t>Resig</a:t>
+              <a:t>Funkionen</a:t>
             </a:r>
             <a:endParaRPr lang="de-DE" dirty="0" smtClean="0"/>
           </a:p>
@@ -16157,34 +16961,16 @@
               <a:buChar char="●"/>
             </a:pPr>
             <a:r>
+              <a:rPr lang="de-DE" dirty="0" err="1" smtClean="0"/>
+              <a:t>React</a:t>
+            </a:r>
+            <a:r>
               <a:rPr lang="de-DE" dirty="0" smtClean="0"/>
-              <a:t>Komponentenbasiert</a:t>
-            </a:r>
-          </a:p>
-          <a:p>
-            <a:pPr marL="557213" lvl="1" indent="-285750"/>
-            <a:r>
-              <a:rPr lang="de-DE" dirty="0" smtClean="0"/>
-              <a:t>Wiederverwendbar (</a:t>
+              <a:t> fördert </a:t>
             </a:r>
             <a:r>
               <a:rPr lang="de-DE" dirty="0" err="1" smtClean="0"/>
-              <a:t>Applikations</a:t>
-            </a:r>
-            <a:r>
-              <a:rPr lang="de-DE" dirty="0" smtClean="0"/>
-              <a:t> übergreifend)</a:t>
-            </a:r>
-          </a:p>
-          <a:p>
-            <a:pPr marL="557213" lvl="1" indent="-285750"/>
-            <a:r>
-              <a:rPr lang="de-DE" dirty="0" smtClean="0"/>
-              <a:t>In sich geschlossene </a:t>
-            </a:r>
-            <a:r>
-              <a:rPr lang="de-DE" dirty="0" err="1" smtClean="0"/>
-              <a:t>Funkionen</a:t>
+              <a:t>Purity</a:t>
             </a:r>
             <a:endParaRPr lang="de-DE" dirty="0" smtClean="0"/>
           </a:p>
@@ -16197,35 +16983,83 @@
               <a:buChar char="●"/>
             </a:pPr>
             <a:r>
-              <a:rPr lang="de-DE" dirty="0" err="1" smtClean="0"/>
-              <a:t>React</a:t>
-            </a:r>
-            <a:r>
-              <a:rPr lang="de-DE" dirty="0" smtClean="0"/>
-              <a:t> fördert </a:t>
-            </a:r>
-            <a:r>
-              <a:rPr lang="de-DE" dirty="0" err="1" smtClean="0"/>
-              <a:t>Purity</a:t>
-            </a:r>
-            <a:endParaRPr lang="de-DE" dirty="0" smtClean="0"/>
-          </a:p>
-          <a:p>
-            <a:pPr marL="285750" indent="-285750">
-              <a:buClr>
-                <a:schemeClr val="accent3"/>
-              </a:buClr>
-              <a:buFont typeface="Arial" panose="020B0604020202020204" pitchFamily="34" charset="0"/>
-              <a:buChar char="●"/>
-            </a:pPr>
-            <a:r>
               <a:rPr lang="de-DE" dirty="0" smtClean="0"/>
               <a:t>Server Rendering</a:t>
             </a:r>
-            <a:endParaRPr lang="de-DE" dirty="0" smtClean="0"/>
           </a:p>
           <a:p>
             <a:endParaRPr lang="de-DE" dirty="0"/>
+          </a:p>
+        </p:txBody>
+      </p:sp>
+      <p:sp>
+        <p:nvSpPr>
+          <p:cNvPr id="2" name="Textfeld 1"/>
+          <p:cNvSpPr txBox="1"/>
+          <p:nvPr/>
+        </p:nvSpPr>
+        <p:spPr>
+          <a:xfrm>
+            <a:off x="76200" y="662940"/>
+            <a:ext cx="8976360" cy="4069080"/>
+          </a:xfrm>
+          <a:prstGeom prst="rect">
+            <a:avLst/>
+          </a:prstGeom>
+          <a:solidFill>
+            <a:schemeClr val="bg1"/>
+          </a:solidFill>
+        </p:spPr>
+        <p:txBody>
+          <a:bodyPr wrap="square" rtlCol="0" anchor="ctr">
+            <a:noAutofit/>
+          </a:bodyPr>
+          <a:lstStyle/>
+          <a:p>
+            <a:pPr algn="ctr"/>
+            <a:r>
+              <a:rPr lang="de-DE" dirty="0"/>
+              <a:t>„The Dom </a:t>
+            </a:r>
+            <a:r>
+              <a:rPr lang="de-DE" dirty="0" err="1"/>
+              <a:t>is</a:t>
+            </a:r>
+            <a:r>
+              <a:rPr lang="de-DE" dirty="0"/>
+              <a:t> a </a:t>
+            </a:r>
+            <a:r>
+              <a:rPr lang="de-DE" dirty="0" err="1"/>
+              <a:t>Mess</a:t>
+            </a:r>
+            <a:r>
+              <a:rPr lang="de-DE" dirty="0"/>
+              <a:t>“ </a:t>
+            </a:r>
+          </a:p>
+          <a:p>
+            <a:pPr algn="ctr"/>
+            <a:r>
+              <a:rPr lang="de-DE" dirty="0" smtClean="0"/>
+              <a:t>			</a:t>
+            </a:r>
+            <a:r>
+              <a:rPr lang="de-DE" i="1" dirty="0" smtClean="0"/>
+              <a:t>John </a:t>
+            </a:r>
+            <a:r>
+              <a:rPr lang="de-DE" i="1" dirty="0" err="1"/>
+              <a:t>Resig</a:t>
+            </a:r>
+            <a:endParaRPr lang="de-DE" i="1" dirty="0"/>
+          </a:p>
+          <a:p>
+            <a:endParaRPr lang="de-DE" dirty="0" smtClean="0">
+              <a:solidFill>
+                <a:srgbClr val="344046"/>
+              </a:solidFill>
+            </a:endParaRPr>
           </a:p>
         </p:txBody>
       </p:sp>
@@ -16254,14 +17088,93 @@
   <p:timing>
     <p:tnLst>
       <p:par>
-        <p:cTn id="1" dur="indefinite" restart="never" nodeType="tmRoot"/>
+        <p:cTn id="1" dur="indefinite" restart="never" nodeType="tmRoot">
+          <p:childTnLst>
+            <p:seq concurrent="1" nextAc="seek">
+              <p:cTn id="2" dur="indefinite" nodeType="mainSeq">
+                <p:childTnLst>
+                  <p:par>
+                    <p:cTn id="3" fill="hold">
+                      <p:stCondLst>
+                        <p:cond delay="indefinite"/>
+                      </p:stCondLst>
+                      <p:childTnLst>
+                        <p:par>
+                          <p:cTn id="4" fill="hold">
+                            <p:stCondLst>
+                              <p:cond delay="0"/>
+                            </p:stCondLst>
+                            <p:childTnLst>
+                              <p:par>
+                                <p:cTn id="5" presetID="10" presetClass="exit" presetSubtype="0" fill="hold" grpId="0" nodeType="clickEffect">
+                                  <p:stCondLst>
+                                    <p:cond delay="0"/>
+                                  </p:stCondLst>
+                                  <p:childTnLst>
+                                    <p:animEffect transition="out" filter="fade">
+                                      <p:cBhvr>
+                                        <p:cTn id="6" dur="500"/>
+                                        <p:tgtEl>
+                                          <p:spTgt spid="2"/>
+                                        </p:tgtEl>
+                                      </p:cBhvr>
+                                    </p:animEffect>
+                                    <p:set>
+                                      <p:cBhvr>
+                                        <p:cTn id="7" dur="1" fill="hold">
+                                          <p:stCondLst>
+                                            <p:cond delay="499"/>
+                                          </p:stCondLst>
+                                        </p:cTn>
+                                        <p:tgtEl>
+                                          <p:spTgt spid="2"/>
+                                        </p:tgtEl>
+                                        <p:attrNameLst>
+                                          <p:attrName>style.visibility</p:attrName>
+                                        </p:attrNameLst>
+                                      </p:cBhvr>
+                                      <p:to>
+                                        <p:strVal val="hidden"/>
+                                      </p:to>
+                                    </p:set>
+                                  </p:childTnLst>
+                                </p:cTn>
+                              </p:par>
+                            </p:childTnLst>
+                          </p:cTn>
+                        </p:par>
+                      </p:childTnLst>
+                    </p:cTn>
+                  </p:par>
+                </p:childTnLst>
+              </p:cTn>
+              <p:prevCondLst>
+                <p:cond evt="onPrev" delay="0">
+                  <p:tgtEl>
+                    <p:sldTgt/>
+                  </p:tgtEl>
+                </p:cond>
+              </p:prevCondLst>
+              <p:nextCondLst>
+                <p:cond evt="onNext" delay="0">
+                  <p:tgtEl>
+                    <p:sldTgt/>
+                  </p:tgtEl>
+                </p:cond>
+              </p:nextCondLst>
+            </p:seq>
+          </p:childTnLst>
+        </p:cTn>
       </p:par>
     </p:tnLst>
+    <p:bldLst>
+      <p:bldP spid="2" grpId="0" animBg="1"/>
+    </p:bldLst>
   </p:timing>
 </p:sld>
 </file>
 
-<file path=ppt/slides/slide7.xml><?xml version="1.0" encoding="utf-8"?>
+<file path=ppt/slides/slide8.xml><?xml version="1.0" encoding="utf-8"?>
 <p:sld xmlns:a="http://schemas.openxmlformats.org/drawingml/2006/main" xmlns:r="http://schemas.openxmlformats.org/officeDocument/2006/relationships" xmlns:p="http://schemas.openxmlformats.org/presentationml/2006/main">
   <p:cSld>
     <p:spTree>
@@ -17049,7 +17962,7 @@
 </p:sld>
 </file>
 
-<file path=ppt/slides/slide8.xml><?xml version="1.0" encoding="utf-8"?>
+<file path=ppt/slides/slide9.xml><?xml version="1.0" encoding="utf-8"?>
 <p:sld xmlns:a="http://schemas.openxmlformats.org/drawingml/2006/main" xmlns:r="http://schemas.openxmlformats.org/officeDocument/2006/relationships" xmlns:p="http://schemas.openxmlformats.org/presentationml/2006/main">
   <p:cSld>
     <p:spTree>
@@ -17792,7 +18705,7 @@
   <a:extraClrSchemeLst/>
   <a:extLst>
     <a:ext uri="{05A4C25C-085E-4340-85A3-A5531E510DB2}">
-      <thm15:themeFamily xmlns="" xmlns:thm15="http://schemas.microsoft.com/office/thememl/2012/main" name="Office Theme" id="{62F939B6-93AF-4DB8-9C6B-D6C7DFDC589F}" vid="{4A3C46E8-61CC-4603-A589-7422A47A8E4A}"/>
+      <thm15:themeFamily xmlns:thm15="http://schemas.microsoft.com/office/thememl/2012/main" xmlns="" name="Office Theme" id="{62F939B6-93AF-4DB8-9C6B-D6C7DFDC589F}" vid="{4A3C46E8-61CC-4603-A589-7422A47A8E4A}"/>
     </a:ext>
   </a:extLst>
 </a:theme>
